--- a/flashcard/ppt/http.pptx
+++ b/flashcard/ppt/http.pptx
@@ -321,7 +321,7 @@
           <a:p>
             <a:fld id="{2BC862B4-C817-412D-A604-8B32A0FD54DA}" type="datetimeFigureOut">
               <a:rPr lang="en-US" smtClean="0"/>
-              <a:t>8/30/2020</a:t>
+              <a:t>10/2/2020</a:t>
             </a:fld>
             <a:endParaRPr lang="en-US"/>
           </a:p>
@@ -542,7 +542,7 @@
           <a:p>
             <a:fld id="{2BC862B4-C817-412D-A604-8B32A0FD54DA}" type="datetimeFigureOut">
               <a:rPr lang="en-US" smtClean="0"/>
-              <a:t>8/30/2020</a:t>
+              <a:t>10/2/2020</a:t>
             </a:fld>
             <a:endParaRPr lang="en-US"/>
           </a:p>
@@ -722,7 +722,7 @@
           <a:p>
             <a:fld id="{2BC862B4-C817-412D-A604-8B32A0FD54DA}" type="datetimeFigureOut">
               <a:rPr lang="en-US" smtClean="0"/>
-              <a:t>8/30/2020</a:t>
+              <a:t>10/2/2020</a:t>
             </a:fld>
             <a:endParaRPr lang="en-US"/>
           </a:p>
@@ -899,7 +899,7 @@
           <a:p>
             <a:fld id="{2BC862B4-C817-412D-A604-8B32A0FD54DA}" type="datetimeFigureOut">
               <a:rPr lang="en-US" smtClean="0"/>
-              <a:t>8/30/2020</a:t>
+              <a:t>10/2/2020</a:t>
             </a:fld>
             <a:endParaRPr lang="en-US"/>
           </a:p>
@@ -1150,7 +1150,7 @@
           <a:p>
             <a:fld id="{2BC862B4-C817-412D-A604-8B32A0FD54DA}" type="datetimeFigureOut">
               <a:rPr lang="en-US" smtClean="0"/>
-              <a:t>8/30/2020</a:t>
+              <a:t>10/2/2020</a:t>
             </a:fld>
             <a:endParaRPr lang="en-US"/>
           </a:p>
@@ -1473,7 +1473,7 @@
           <a:p>
             <a:fld id="{2BC862B4-C817-412D-A604-8B32A0FD54DA}" type="datetimeFigureOut">
               <a:rPr lang="en-US" smtClean="0"/>
-              <a:t>8/30/2020</a:t>
+              <a:t>10/2/2020</a:t>
             </a:fld>
             <a:endParaRPr lang="en-US"/>
           </a:p>
@@ -1897,7 +1897,7 @@
           <a:p>
             <a:fld id="{2BC862B4-C817-412D-A604-8B32A0FD54DA}" type="datetimeFigureOut">
               <a:rPr lang="en-US" smtClean="0"/>
-              <a:t>8/30/2020</a:t>
+              <a:t>10/2/2020</a:t>
             </a:fld>
             <a:endParaRPr lang="en-US"/>
           </a:p>
@@ -2015,7 +2015,7 @@
           <a:p>
             <a:fld id="{2BC862B4-C817-412D-A604-8B32A0FD54DA}" type="datetimeFigureOut">
               <a:rPr lang="en-US" smtClean="0"/>
-              <a:t>8/30/2020</a:t>
+              <a:t>10/2/2020</a:t>
             </a:fld>
             <a:endParaRPr lang="en-US"/>
           </a:p>
@@ -2110,7 +2110,7 @@
           <a:p>
             <a:fld id="{2BC862B4-C817-412D-A604-8B32A0FD54DA}" type="datetimeFigureOut">
               <a:rPr lang="en-US" smtClean="0"/>
-              <a:t>8/30/2020</a:t>
+              <a:t>10/2/2020</a:t>
             </a:fld>
             <a:endParaRPr lang="en-US"/>
           </a:p>
@@ -2400,7 +2400,7 @@
           <a:p>
             <a:fld id="{2BC862B4-C817-412D-A604-8B32A0FD54DA}" type="datetimeFigureOut">
               <a:rPr lang="en-US" smtClean="0"/>
-              <a:t>8/30/2020</a:t>
+              <a:t>10/2/2020</a:t>
             </a:fld>
             <a:endParaRPr lang="en-US"/>
           </a:p>
@@ -2672,7 +2672,7 @@
           <a:p>
             <a:fld id="{2BC862B4-C817-412D-A604-8B32A0FD54DA}" type="datetimeFigureOut">
               <a:rPr lang="en-US" smtClean="0"/>
-              <a:t>8/30/2020</a:t>
+              <a:t>10/2/2020</a:t>
             </a:fld>
             <a:endParaRPr lang="en-US"/>
           </a:p>
@@ -2924,7 +2924,7 @@
           <a:p>
             <a:fld id="{2BC862B4-C817-412D-A604-8B32A0FD54DA}" type="datetimeFigureOut">
               <a:rPr lang="en-US" smtClean="0"/>
-              <a:t>8/30/2020</a:t>
+              <a:t>10/2/2020</a:t>
             </a:fld>
             <a:endParaRPr lang="en-US"/>
           </a:p>
@@ -5388,15 +5388,33 @@
         </p:nvSpPr>
         <p:spPr>
           <a:xfrm>
-            <a:off x="353616" y="1344707"/>
-            <a:ext cx="4436269" cy="7476565"/>
+            <a:off x="179294" y="1344707"/>
+            <a:ext cx="4787153" cy="7476565"/>
           </a:xfrm>
         </p:spPr>
         <p:txBody>
           <a:bodyPr>
-            <a:normAutofit lnSpcReduction="10000"/>
+            <a:normAutofit fontScale="92500" lnSpcReduction="20000"/>
           </a:bodyPr>
           <a:lstStyle/>
+          <a:p>
+            <a:pPr marL="19288" indent="0">
+              <a:buNone/>
+            </a:pPr>
+            <a:r>
+              <a:rPr lang="en-US" altLang="zh-CN" sz="2200" u="sng" dirty="0"/>
+              <a:t>Light Shits Sail Stupid Particulars</a:t>
+            </a:r>
+          </a:p>
+          <a:p>
+            <a:pPr marL="19288" indent="0">
+              <a:buNone/>
+            </a:pPr>
+            <a:r>
+              <a:rPr lang="en-US" altLang="zh-CN" sz="2200" u="sng" dirty="0"/>
+              <a:t>Little Subjects Swindle Simple Pressures</a:t>
+            </a:r>
+          </a:p>
           <a:p>
             <a:r>
               <a:rPr lang="en-US" altLang="zh-CN" sz="3600" dirty="0"/>
